--- a/Lecture/Factors/Factors_Lecture.pptx
+++ b/Lecture/Factors/Factors_Lecture.pptx
@@ -323,7 +323,7 @@
               <a:pPr>
                 <a:defRPr/>
               </a:pPr>
-              <a:t>2/17/2019</a:t>
+              <a:t>7/9/2019</a:t>
             </a:fld>
             <a:endParaRPr lang="en-US" dirty="0"/>
           </a:p>
@@ -535,7 +535,7 @@
               <a:pPr>
                 <a:defRPr/>
               </a:pPr>
-              <a:t>2/17/2019</a:t>
+              <a:t>7/9/2019</a:t>
             </a:fld>
             <a:endParaRPr lang="en-US" dirty="0"/>
           </a:p>
@@ -1054,7 +1054,7 @@
               <a:pPr>
                 <a:defRPr/>
               </a:pPr>
-              <a:t>2/17/2019</a:t>
+              <a:t>7/9/2019</a:t>
             </a:fld>
             <a:endParaRPr lang="en-US" dirty="0"/>
           </a:p>
@@ -1244,7 +1244,7 @@
               <a:pPr>
                 <a:defRPr/>
               </a:pPr>
-              <a:t>2/17/2019</a:t>
+              <a:t>7/9/2019</a:t>
             </a:fld>
             <a:endParaRPr lang="en-US" dirty="0"/>
           </a:p>
@@ -1444,7 +1444,7 @@
               <a:pPr>
                 <a:defRPr/>
               </a:pPr>
-              <a:t>2/17/2019</a:t>
+              <a:t>7/9/2019</a:t>
             </a:fld>
             <a:endParaRPr lang="en-US" dirty="0"/>
           </a:p>
@@ -1712,7 +1712,7 @@
               <a:pPr>
                 <a:defRPr/>
               </a:pPr>
-              <a:t>2/17/2019</a:t>
+              <a:t>7/9/2019</a:t>
             </a:fld>
             <a:endParaRPr lang="en-US" dirty="0">
               <a:solidFill>
@@ -1926,7 +1926,7 @@
               <a:pPr>
                 <a:defRPr/>
               </a:pPr>
-              <a:t>2/17/2019</a:t>
+              <a:t>7/9/2019</a:t>
             </a:fld>
             <a:endParaRPr lang="en-US" dirty="0">
               <a:solidFill>
@@ -2217,7 +2217,7 @@
               <a:pPr>
                 <a:defRPr/>
               </a:pPr>
-              <a:t>2/17/2019</a:t>
+              <a:t>7/9/2019</a:t>
             </a:fld>
             <a:endParaRPr lang="en-US" dirty="0">
               <a:solidFill>
@@ -2548,7 +2548,7 @@
               <a:pPr>
                 <a:defRPr/>
               </a:pPr>
-              <a:t>2/17/2019</a:t>
+              <a:t>7/9/2019</a:t>
             </a:fld>
             <a:endParaRPr lang="en-US" dirty="0">
               <a:solidFill>
@@ -3013,7 +3013,7 @@
               <a:pPr>
                 <a:defRPr/>
               </a:pPr>
-              <a:t>2/17/2019</a:t>
+              <a:t>7/9/2019</a:t>
             </a:fld>
             <a:endParaRPr lang="en-US" dirty="0">
               <a:solidFill>
@@ -3176,7 +3176,7 @@
               <a:pPr>
                 <a:defRPr/>
               </a:pPr>
-              <a:t>2/17/2019</a:t>
+              <a:t>7/9/2019</a:t>
             </a:fld>
             <a:endParaRPr lang="en-US" dirty="0">
               <a:solidFill>
@@ -3317,7 +3317,7 @@
               <a:pPr>
                 <a:defRPr/>
               </a:pPr>
-              <a:t>2/17/2019</a:t>
+              <a:t>7/9/2019</a:t>
             </a:fld>
             <a:endParaRPr lang="en-US" dirty="0">
               <a:solidFill>
@@ -3638,7 +3638,7 @@
               <a:pPr>
                 <a:defRPr/>
               </a:pPr>
-              <a:t>2/17/2019</a:t>
+              <a:t>7/9/2019</a:t>
             </a:fld>
             <a:endParaRPr lang="en-US" dirty="0">
               <a:solidFill>
@@ -3846,7 +3846,7 @@
               <a:pPr>
                 <a:defRPr/>
               </a:pPr>
-              <a:t>2/17/2019</a:t>
+              <a:t>7/9/2019</a:t>
             </a:fld>
             <a:endParaRPr lang="en-US" dirty="0"/>
           </a:p>
@@ -4129,7 +4129,7 @@
               <a:pPr>
                 <a:defRPr/>
               </a:pPr>
-              <a:t>2/17/2019</a:t>
+              <a:t>7/9/2019</a:t>
             </a:fld>
             <a:endParaRPr lang="en-US" dirty="0">
               <a:solidFill>
@@ -4343,7 +4343,7 @@
               <a:pPr>
                 <a:defRPr/>
               </a:pPr>
-              <a:t>2/17/2019</a:t>
+              <a:t>7/9/2019</a:t>
             </a:fld>
             <a:endParaRPr lang="en-US" dirty="0">
               <a:solidFill>
@@ -4567,7 +4567,7 @@
               <a:pPr>
                 <a:defRPr/>
               </a:pPr>
-              <a:t>2/17/2019</a:t>
+              <a:t>7/9/2019</a:t>
             </a:fld>
             <a:endParaRPr lang="en-US" dirty="0">
               <a:solidFill>
@@ -4777,7 +4777,7 @@
               <a:pPr>
                 <a:defRPr/>
               </a:pPr>
-              <a:t>2/17/2019</a:t>
+              <a:t>7/9/2019</a:t>
             </a:fld>
             <a:endParaRPr lang="en-US" dirty="0">
               <a:solidFill>
@@ -5054,7 +5054,7 @@
               <a:pPr>
                 <a:defRPr/>
               </a:pPr>
-              <a:t>2/17/2019</a:t>
+              <a:t>7/9/2019</a:t>
             </a:fld>
             <a:endParaRPr lang="en-US" dirty="0"/>
           </a:p>
@@ -5361,7 +5361,7 @@
               <a:pPr>
                 <a:defRPr/>
               </a:pPr>
-              <a:t>2/17/2019</a:t>
+              <a:t>7/9/2019</a:t>
             </a:fld>
             <a:endParaRPr lang="en-US" dirty="0"/>
           </a:p>
@@ -5802,7 +5802,7 @@
               <a:pPr>
                 <a:defRPr/>
               </a:pPr>
-              <a:t>2/17/2019</a:t>
+              <a:t>7/9/2019</a:t>
             </a:fld>
             <a:endParaRPr lang="en-US" dirty="0"/>
           </a:p>
@@ -5941,7 +5941,7 @@
               <a:pPr>
                 <a:defRPr/>
               </a:pPr>
-              <a:t>2/17/2019</a:t>
+              <a:t>7/9/2019</a:t>
             </a:fld>
             <a:endParaRPr lang="en-US" dirty="0"/>
           </a:p>
@@ -6058,7 +6058,7 @@
               <a:pPr>
                 <a:defRPr/>
               </a:pPr>
-              <a:t>2/17/2019</a:t>
+              <a:t>7/9/2019</a:t>
             </a:fld>
             <a:endParaRPr lang="en-US" dirty="0"/>
           </a:p>
@@ -6355,7 +6355,7 @@
               <a:pPr>
                 <a:defRPr/>
               </a:pPr>
-              <a:t>2/17/2019</a:t>
+              <a:t>7/9/2019</a:t>
             </a:fld>
             <a:endParaRPr lang="en-US" dirty="0"/>
           </a:p>
@@ -6632,7 +6632,7 @@
               <a:pPr>
                 <a:defRPr/>
               </a:pPr>
-              <a:t>2/17/2019</a:t>
+              <a:t>7/9/2019</a:t>
             </a:fld>
             <a:endParaRPr lang="en-US" dirty="0"/>
           </a:p>
@@ -6889,7 +6889,7 @@
               <a:pPr>
                 <a:defRPr/>
               </a:pPr>
-              <a:t>2/17/2019</a:t>
+              <a:t>7/9/2019</a:t>
             </a:fld>
             <a:endParaRPr lang="en-US" dirty="0"/>
           </a:p>
@@ -7599,7 +7599,7 @@
               <a:pPr>
                 <a:defRPr/>
               </a:pPr>
-              <a:t>2/17/2019</a:t>
+              <a:t>7/9/2019</a:t>
             </a:fld>
             <a:endParaRPr lang="en-US" dirty="0">
               <a:solidFill>
@@ -15549,7 +15549,7 @@
                   <a:srgbClr val="404040"/>
                 </a:solidFill>
               </a:rPr>
-              <a:t>Not Ordinal = “Arbitrary”</a:t>
+              <a:t>Nominal = “Arbitrary”</a:t>
             </a:r>
           </a:p>
           <a:p>
@@ -22059,7 +22059,7 @@
                   <a:srgbClr val="404040"/>
                 </a:solidFill>
               </a:rPr>
-              <a:t>Class of 80 Students Answer End-of-the-Year Survey.</a:t>
+              <a:t>Class of 80 Students Answer End-of-the-Year Survey</a:t>
             </a:r>
           </a:p>
           <a:p>
